--- a/HW/HW3 Design/wildlife_tracker/Dependencies.pptx
+++ b/HW/HW3 Design/wildlife_tracker/Dependencies.pptx
@@ -7,6 +7,7 @@
   <p:sldIdLst>
     <p:sldId id="256" r:id="rId2"/>
     <p:sldId id="257" r:id="rId3"/>
+    <p:sldId id="258" r:id="rId4"/>
   </p:sldIdLst>
   <p:sldSz cx="12192000" cy="6858000"/>
   <p:notesSz cx="6858000" cy="9144000"/>
@@ -4909,6 +4910,780 @@
 </p:sld>
 </file>
 
+<file path=ppt/slides/slide3.xml><?xml version="1.0" encoding="utf-8"?>
+<p:sld xmlns:a="http://schemas.openxmlformats.org/drawingml/2006/main" xmlns:r="http://schemas.openxmlformats.org/officeDocument/2006/relationships" xmlns:p="http://schemas.openxmlformats.org/presentationml/2006/main">
+  <p:cSld>
+    <p:spTree>
+      <p:nvGrpSpPr>
+        <p:cNvPr id="1" name=""/>
+        <p:cNvGrpSpPr/>
+        <p:nvPr/>
+      </p:nvGrpSpPr>
+      <p:grpSpPr>
+        <a:xfrm>
+          <a:off x="0" y="0"/>
+          <a:ext cx="0" cy="0"/>
+          <a:chOff x="0" y="0"/>
+          <a:chExt cx="0" cy="0"/>
+        </a:xfrm>
+      </p:grpSpPr>
+      <p:sp>
+        <p:nvSpPr>
+          <p:cNvPr id="4" name="Rectangle 3">
+            <a:extLst>
+              <a:ext uri="{FF2B5EF4-FFF2-40B4-BE49-F238E27FC236}">
+                <a16:creationId xmlns:a16="http://schemas.microsoft.com/office/drawing/2014/main" id="{1054207A-6941-619E-1367-F68CAED9AB49}"/>
+              </a:ext>
+            </a:extLst>
+          </p:cNvPr>
+          <p:cNvSpPr/>
+          <p:nvPr/>
+        </p:nvSpPr>
+        <p:spPr>
+          <a:xfrm>
+            <a:off x="7634653" y="1730912"/>
+            <a:ext cx="3393831" cy="3393831"/>
+          </a:xfrm>
+          <a:prstGeom prst="rect">
+            <a:avLst/>
+          </a:prstGeom>
+          <a:noFill/>
+          <a:ln w="28575">
+            <a:solidFill>
+              <a:schemeClr val="tx1"/>
+            </a:solidFill>
+          </a:ln>
+        </p:spPr>
+        <p:style>
+          <a:lnRef idx="2">
+            <a:schemeClr val="accent1">
+              <a:shade val="15000"/>
+            </a:schemeClr>
+          </a:lnRef>
+          <a:fillRef idx="1">
+            <a:schemeClr val="accent1"/>
+          </a:fillRef>
+          <a:effectRef idx="0">
+            <a:schemeClr val="accent1"/>
+          </a:effectRef>
+          <a:fontRef idx="minor">
+            <a:schemeClr val="lt1"/>
+          </a:fontRef>
+        </p:style>
+        <p:txBody>
+          <a:bodyPr rtlCol="0" anchor="ctr"/>
+          <a:lstStyle/>
+          <a:p>
+            <a:pPr algn="ctr"/>
+            <a:r>
+              <a:rPr lang="en-US" dirty="0">
+                <a:solidFill>
+                  <a:sysClr val="windowText" lastClr="000000"/>
+                </a:solidFill>
+              </a:rPr>
+              <a:t>Migration Tracking</a:t>
+            </a:r>
+          </a:p>
+          <a:p>
+            <a:pPr algn="ctr"/>
+            <a:endParaRPr lang="en-US" dirty="0">
+              <a:solidFill>
+                <a:sysClr val="windowText" lastClr="000000"/>
+              </a:solidFill>
+            </a:endParaRPr>
+          </a:p>
+          <a:p>
+            <a:pPr algn="ctr"/>
+            <a:endParaRPr lang="en-US" dirty="0">
+              <a:solidFill>
+                <a:sysClr val="windowText" lastClr="000000"/>
+              </a:solidFill>
+            </a:endParaRPr>
+          </a:p>
+          <a:p>
+            <a:pPr algn="ctr"/>
+            <a:endParaRPr lang="en-US" dirty="0">
+              <a:solidFill>
+                <a:sysClr val="windowText" lastClr="000000"/>
+              </a:solidFill>
+            </a:endParaRPr>
+          </a:p>
+          <a:p>
+            <a:pPr algn="ctr"/>
+            <a:endParaRPr lang="en-US" dirty="0">
+              <a:solidFill>
+                <a:sysClr val="windowText" lastClr="000000"/>
+              </a:solidFill>
+            </a:endParaRPr>
+          </a:p>
+          <a:p>
+            <a:pPr algn="ctr"/>
+            <a:endParaRPr lang="en-US" dirty="0">
+              <a:solidFill>
+                <a:sysClr val="windowText" lastClr="000000"/>
+              </a:solidFill>
+            </a:endParaRPr>
+          </a:p>
+          <a:p>
+            <a:pPr algn="ctr"/>
+            <a:endParaRPr lang="en-US" dirty="0">
+              <a:solidFill>
+                <a:sysClr val="windowText" lastClr="000000"/>
+              </a:solidFill>
+            </a:endParaRPr>
+          </a:p>
+          <a:p>
+            <a:pPr algn="ctr"/>
+            <a:endParaRPr lang="en-US" dirty="0">
+              <a:solidFill>
+                <a:sysClr val="windowText" lastClr="000000"/>
+              </a:solidFill>
+            </a:endParaRPr>
+          </a:p>
+          <a:p>
+            <a:pPr algn="ctr"/>
+            <a:endParaRPr lang="en-US" dirty="0">
+              <a:solidFill>
+                <a:sysClr val="windowText" lastClr="000000"/>
+              </a:solidFill>
+            </a:endParaRPr>
+          </a:p>
+          <a:p>
+            <a:pPr algn="ctr"/>
+            <a:endParaRPr lang="en-US" dirty="0">
+              <a:solidFill>
+                <a:sysClr val="windowText" lastClr="000000"/>
+              </a:solidFill>
+            </a:endParaRPr>
+          </a:p>
+          <a:p>
+            <a:pPr algn="ctr"/>
+            <a:endParaRPr lang="en-US" dirty="0">
+              <a:solidFill>
+                <a:sysClr val="windowText" lastClr="000000"/>
+              </a:solidFill>
+            </a:endParaRPr>
+          </a:p>
+          <a:p>
+            <a:pPr algn="ctr"/>
+            <a:endParaRPr lang="en-US" dirty="0">
+              <a:solidFill>
+                <a:sysClr val="windowText" lastClr="000000"/>
+              </a:solidFill>
+            </a:endParaRPr>
+          </a:p>
+        </p:txBody>
+      </p:sp>
+      <p:sp>
+        <p:nvSpPr>
+          <p:cNvPr id="5" name="Rectangle 4">
+            <a:extLst>
+              <a:ext uri="{FF2B5EF4-FFF2-40B4-BE49-F238E27FC236}">
+                <a16:creationId xmlns:a16="http://schemas.microsoft.com/office/drawing/2014/main" id="{92ABD2F9-084E-7987-1257-804B9965F95E}"/>
+              </a:ext>
+            </a:extLst>
+          </p:cNvPr>
+          <p:cNvSpPr/>
+          <p:nvPr/>
+        </p:nvSpPr>
+        <p:spPr>
+          <a:xfrm>
+            <a:off x="9491584" y="2434961"/>
+            <a:ext cx="1371014" cy="1371014"/>
+          </a:xfrm>
+          <a:prstGeom prst="rect">
+            <a:avLst/>
+          </a:prstGeom>
+          <a:noFill/>
+          <a:ln w="28575">
+            <a:solidFill>
+              <a:schemeClr val="tx1"/>
+            </a:solidFill>
+          </a:ln>
+        </p:spPr>
+        <p:style>
+          <a:lnRef idx="2">
+            <a:schemeClr val="accent1">
+              <a:shade val="15000"/>
+            </a:schemeClr>
+          </a:lnRef>
+          <a:fillRef idx="1">
+            <a:schemeClr val="accent1"/>
+          </a:fillRef>
+          <a:effectRef idx="0">
+            <a:schemeClr val="accent1"/>
+          </a:effectRef>
+          <a:fontRef idx="minor">
+            <a:schemeClr val="lt1"/>
+          </a:fontRef>
+        </p:style>
+        <p:txBody>
+          <a:bodyPr rtlCol="0" anchor="ctr"/>
+          <a:lstStyle/>
+          <a:p>
+            <a:pPr algn="ctr"/>
+            <a:r>
+              <a:rPr lang="en-US" dirty="0">
+                <a:solidFill>
+                  <a:sysClr val="windowText" lastClr="000000"/>
+                </a:solidFill>
+              </a:rPr>
+              <a:t>Migration</a:t>
+            </a:r>
+          </a:p>
+        </p:txBody>
+      </p:sp>
+      <p:sp>
+        <p:nvSpPr>
+          <p:cNvPr id="6" name="Rectangle 5">
+            <a:extLst>
+              <a:ext uri="{FF2B5EF4-FFF2-40B4-BE49-F238E27FC236}">
+                <a16:creationId xmlns:a16="http://schemas.microsoft.com/office/drawing/2014/main" id="{67258281-1335-B72E-5964-C3B711731CEE}"/>
+              </a:ext>
+            </a:extLst>
+          </p:cNvPr>
+          <p:cNvSpPr/>
+          <p:nvPr/>
+        </p:nvSpPr>
+        <p:spPr>
+          <a:xfrm>
+            <a:off x="7721985" y="2155561"/>
+            <a:ext cx="1371014" cy="1371014"/>
+          </a:xfrm>
+          <a:prstGeom prst="rect">
+            <a:avLst/>
+          </a:prstGeom>
+          <a:noFill/>
+          <a:ln w="28575">
+            <a:solidFill>
+              <a:schemeClr val="tx1"/>
+            </a:solidFill>
+          </a:ln>
+        </p:spPr>
+        <p:style>
+          <a:lnRef idx="2">
+            <a:schemeClr val="accent1">
+              <a:shade val="15000"/>
+            </a:schemeClr>
+          </a:lnRef>
+          <a:fillRef idx="1">
+            <a:schemeClr val="accent1"/>
+          </a:fillRef>
+          <a:effectRef idx="0">
+            <a:schemeClr val="accent1"/>
+          </a:effectRef>
+          <a:fontRef idx="minor">
+            <a:schemeClr val="lt1"/>
+          </a:fontRef>
+        </p:style>
+        <p:txBody>
+          <a:bodyPr rtlCol="0" anchor="ctr"/>
+          <a:lstStyle/>
+          <a:p>
+            <a:pPr algn="ctr"/>
+            <a:r>
+              <a:rPr lang="en-US" dirty="0">
+                <a:solidFill>
+                  <a:sysClr val="windowText" lastClr="000000"/>
+                </a:solidFill>
+              </a:rPr>
+              <a:t>Migration Manager</a:t>
+            </a:r>
+          </a:p>
+        </p:txBody>
+      </p:sp>
+      <p:sp>
+        <p:nvSpPr>
+          <p:cNvPr id="7" name="Rectangle 6">
+            <a:extLst>
+              <a:ext uri="{FF2B5EF4-FFF2-40B4-BE49-F238E27FC236}">
+                <a16:creationId xmlns:a16="http://schemas.microsoft.com/office/drawing/2014/main" id="{F318D179-616A-7CB3-20DF-B22CE6334DD0}"/>
+              </a:ext>
+            </a:extLst>
+          </p:cNvPr>
+          <p:cNvSpPr/>
+          <p:nvPr/>
+        </p:nvSpPr>
+        <p:spPr>
+          <a:xfrm>
+            <a:off x="7954684" y="3640152"/>
+            <a:ext cx="1371014" cy="1371014"/>
+          </a:xfrm>
+          <a:prstGeom prst="rect">
+            <a:avLst/>
+          </a:prstGeom>
+          <a:noFill/>
+          <a:ln w="28575">
+            <a:solidFill>
+              <a:schemeClr val="tx1"/>
+            </a:solidFill>
+          </a:ln>
+        </p:spPr>
+        <p:style>
+          <a:lnRef idx="2">
+            <a:schemeClr val="accent1">
+              <a:shade val="15000"/>
+            </a:schemeClr>
+          </a:lnRef>
+          <a:fillRef idx="1">
+            <a:schemeClr val="accent1"/>
+          </a:fillRef>
+          <a:effectRef idx="0">
+            <a:schemeClr val="accent1"/>
+          </a:effectRef>
+          <a:fontRef idx="minor">
+            <a:schemeClr val="lt1"/>
+          </a:fontRef>
+        </p:style>
+        <p:txBody>
+          <a:bodyPr rtlCol="0" anchor="ctr"/>
+          <a:lstStyle/>
+          <a:p>
+            <a:pPr algn="ctr"/>
+            <a:r>
+              <a:rPr lang="en-US" dirty="0">
+                <a:solidFill>
+                  <a:sysClr val="windowText" lastClr="000000"/>
+                </a:solidFill>
+              </a:rPr>
+              <a:t>Migration Path</a:t>
+            </a:r>
+          </a:p>
+        </p:txBody>
+      </p:sp>
+      <p:sp>
+        <p:nvSpPr>
+          <p:cNvPr id="8" name="Rectangle 7">
+            <a:extLst>
+              <a:ext uri="{FF2B5EF4-FFF2-40B4-BE49-F238E27FC236}">
+                <a16:creationId xmlns:a16="http://schemas.microsoft.com/office/drawing/2014/main" id="{A4B1EA70-794C-3747-6132-E389E59BBBC0}"/>
+              </a:ext>
+            </a:extLst>
+          </p:cNvPr>
+          <p:cNvSpPr/>
+          <p:nvPr/>
+        </p:nvSpPr>
+        <p:spPr>
+          <a:xfrm>
+            <a:off x="712103" y="1730911"/>
+            <a:ext cx="3393831" cy="3393831"/>
+          </a:xfrm>
+          <a:prstGeom prst="rect">
+            <a:avLst/>
+          </a:prstGeom>
+          <a:noFill/>
+          <a:ln w="28575">
+            <a:solidFill>
+              <a:schemeClr val="tx1"/>
+            </a:solidFill>
+          </a:ln>
+        </p:spPr>
+        <p:style>
+          <a:lnRef idx="2">
+            <a:schemeClr val="accent1">
+              <a:shade val="15000"/>
+            </a:schemeClr>
+          </a:lnRef>
+          <a:fillRef idx="1">
+            <a:schemeClr val="accent1"/>
+          </a:fillRef>
+          <a:effectRef idx="0">
+            <a:schemeClr val="accent1"/>
+          </a:effectRef>
+          <a:fontRef idx="minor">
+            <a:schemeClr val="lt1"/>
+          </a:fontRef>
+        </p:style>
+        <p:txBody>
+          <a:bodyPr rtlCol="0" anchor="ctr"/>
+          <a:lstStyle/>
+          <a:p>
+            <a:pPr algn="ctr"/>
+            <a:r>
+              <a:rPr lang="en-US" dirty="0">
+                <a:solidFill>
+                  <a:sysClr val="windowText" lastClr="000000"/>
+                </a:solidFill>
+              </a:rPr>
+              <a:t>Habitat Management</a:t>
+            </a:r>
+          </a:p>
+          <a:p>
+            <a:pPr algn="ctr"/>
+            <a:endParaRPr lang="en-US" dirty="0">
+              <a:solidFill>
+                <a:sysClr val="windowText" lastClr="000000"/>
+              </a:solidFill>
+            </a:endParaRPr>
+          </a:p>
+          <a:p>
+            <a:pPr algn="ctr"/>
+            <a:endParaRPr lang="en-US" dirty="0">
+              <a:solidFill>
+                <a:sysClr val="windowText" lastClr="000000"/>
+              </a:solidFill>
+            </a:endParaRPr>
+          </a:p>
+          <a:p>
+            <a:pPr algn="ctr"/>
+            <a:endParaRPr lang="en-US" dirty="0">
+              <a:solidFill>
+                <a:sysClr val="windowText" lastClr="000000"/>
+              </a:solidFill>
+            </a:endParaRPr>
+          </a:p>
+          <a:p>
+            <a:pPr algn="ctr"/>
+            <a:endParaRPr lang="en-US" dirty="0">
+              <a:solidFill>
+                <a:sysClr val="windowText" lastClr="000000"/>
+              </a:solidFill>
+            </a:endParaRPr>
+          </a:p>
+          <a:p>
+            <a:pPr algn="ctr"/>
+            <a:endParaRPr lang="en-US" dirty="0">
+              <a:solidFill>
+                <a:sysClr val="windowText" lastClr="000000"/>
+              </a:solidFill>
+            </a:endParaRPr>
+          </a:p>
+          <a:p>
+            <a:pPr algn="ctr"/>
+            <a:endParaRPr lang="en-US" dirty="0">
+              <a:solidFill>
+                <a:sysClr val="windowText" lastClr="000000"/>
+              </a:solidFill>
+            </a:endParaRPr>
+          </a:p>
+          <a:p>
+            <a:pPr algn="ctr"/>
+            <a:endParaRPr lang="en-US" dirty="0">
+              <a:solidFill>
+                <a:sysClr val="windowText" lastClr="000000"/>
+              </a:solidFill>
+            </a:endParaRPr>
+          </a:p>
+          <a:p>
+            <a:pPr algn="ctr"/>
+            <a:endParaRPr lang="en-US" dirty="0">
+              <a:solidFill>
+                <a:sysClr val="windowText" lastClr="000000"/>
+              </a:solidFill>
+            </a:endParaRPr>
+          </a:p>
+          <a:p>
+            <a:pPr algn="ctr"/>
+            <a:endParaRPr lang="en-US" dirty="0">
+              <a:solidFill>
+                <a:sysClr val="windowText" lastClr="000000"/>
+              </a:solidFill>
+            </a:endParaRPr>
+          </a:p>
+          <a:p>
+            <a:pPr algn="ctr"/>
+            <a:endParaRPr lang="en-US" dirty="0">
+              <a:solidFill>
+                <a:sysClr val="windowText" lastClr="000000"/>
+              </a:solidFill>
+            </a:endParaRPr>
+          </a:p>
+          <a:p>
+            <a:pPr algn="ctr"/>
+            <a:endParaRPr lang="en-US" dirty="0">
+              <a:solidFill>
+                <a:sysClr val="windowText" lastClr="000000"/>
+              </a:solidFill>
+            </a:endParaRPr>
+          </a:p>
+        </p:txBody>
+      </p:sp>
+      <p:sp>
+        <p:nvSpPr>
+          <p:cNvPr id="9" name="Rectangle 8">
+            <a:extLst>
+              <a:ext uri="{FF2B5EF4-FFF2-40B4-BE49-F238E27FC236}">
+                <a16:creationId xmlns:a16="http://schemas.microsoft.com/office/drawing/2014/main" id="{4AB53107-8D40-E5EE-AFAC-CBD86717E1A8}"/>
+              </a:ext>
+            </a:extLst>
+          </p:cNvPr>
+          <p:cNvSpPr/>
+          <p:nvPr/>
+        </p:nvSpPr>
+        <p:spPr>
+          <a:xfrm>
+            <a:off x="2569037" y="2531480"/>
+            <a:ext cx="1371014" cy="1371014"/>
+          </a:xfrm>
+          <a:prstGeom prst="rect">
+            <a:avLst/>
+          </a:prstGeom>
+          <a:noFill/>
+          <a:ln w="28575">
+            <a:solidFill>
+              <a:schemeClr val="tx1"/>
+            </a:solidFill>
+          </a:ln>
+        </p:spPr>
+        <p:style>
+          <a:lnRef idx="2">
+            <a:schemeClr val="accent1">
+              <a:shade val="15000"/>
+            </a:schemeClr>
+          </a:lnRef>
+          <a:fillRef idx="1">
+            <a:schemeClr val="accent1"/>
+          </a:fillRef>
+          <a:effectRef idx="0">
+            <a:schemeClr val="accent1"/>
+          </a:effectRef>
+          <a:fontRef idx="minor">
+            <a:schemeClr val="lt1"/>
+          </a:fontRef>
+        </p:style>
+        <p:txBody>
+          <a:bodyPr rtlCol="0" anchor="ctr"/>
+          <a:lstStyle/>
+          <a:p>
+            <a:pPr algn="ctr"/>
+            <a:r>
+              <a:rPr lang="en-US" dirty="0">
+                <a:solidFill>
+                  <a:sysClr val="windowText" lastClr="000000"/>
+                </a:solidFill>
+              </a:rPr>
+              <a:t>Habitat</a:t>
+            </a:r>
+          </a:p>
+        </p:txBody>
+      </p:sp>
+      <p:sp>
+        <p:nvSpPr>
+          <p:cNvPr id="10" name="Rectangle 9">
+            <a:extLst>
+              <a:ext uri="{FF2B5EF4-FFF2-40B4-BE49-F238E27FC236}">
+                <a16:creationId xmlns:a16="http://schemas.microsoft.com/office/drawing/2014/main" id="{84ECE8CA-63C9-3D19-27C7-75EFFC069F82}"/>
+              </a:ext>
+            </a:extLst>
+          </p:cNvPr>
+          <p:cNvSpPr/>
+          <p:nvPr/>
+        </p:nvSpPr>
+        <p:spPr>
+          <a:xfrm>
+            <a:off x="1032140" y="3384920"/>
+            <a:ext cx="1371014" cy="1371014"/>
+          </a:xfrm>
+          <a:prstGeom prst="rect">
+            <a:avLst/>
+          </a:prstGeom>
+          <a:noFill/>
+          <a:ln w="28575">
+            <a:solidFill>
+              <a:schemeClr val="tx1"/>
+            </a:solidFill>
+          </a:ln>
+        </p:spPr>
+        <p:style>
+          <a:lnRef idx="2">
+            <a:schemeClr val="accent1">
+              <a:shade val="15000"/>
+            </a:schemeClr>
+          </a:lnRef>
+          <a:fillRef idx="1">
+            <a:schemeClr val="accent1"/>
+          </a:fillRef>
+          <a:effectRef idx="0">
+            <a:schemeClr val="accent1"/>
+          </a:effectRef>
+          <a:fontRef idx="minor">
+            <a:schemeClr val="lt1"/>
+          </a:fontRef>
+        </p:style>
+        <p:txBody>
+          <a:bodyPr rtlCol="0" anchor="ctr"/>
+          <a:lstStyle/>
+          <a:p>
+            <a:pPr algn="ctr"/>
+            <a:r>
+              <a:rPr lang="en-US" dirty="0">
+                <a:solidFill>
+                  <a:sysClr val="windowText" lastClr="000000"/>
+                </a:solidFill>
+              </a:rPr>
+              <a:t>Habitat Manager</a:t>
+            </a:r>
+          </a:p>
+        </p:txBody>
+      </p:sp>
+      <p:cxnSp>
+        <p:nvCxnSpPr>
+          <p:cNvPr id="11" name="Straight Arrow Connector 10">
+            <a:extLst>
+              <a:ext uri="{FF2B5EF4-FFF2-40B4-BE49-F238E27FC236}">
+                <a16:creationId xmlns:a16="http://schemas.microsoft.com/office/drawing/2014/main" id="{37324943-79A4-0427-EDE9-FC07C30B063A}"/>
+              </a:ext>
+            </a:extLst>
+          </p:cNvPr>
+          <p:cNvCxnSpPr>
+            <a:cxnSpLocks/>
+            <a:stCxn id="8" idx="3"/>
+            <a:endCxn id="4" idx="1"/>
+          </p:cNvCxnSpPr>
+          <p:nvPr/>
+        </p:nvCxnSpPr>
+        <p:spPr>
+          <a:xfrm>
+            <a:off x="4105934" y="3427827"/>
+            <a:ext cx="3528719" cy="1"/>
+          </a:xfrm>
+          <a:prstGeom prst="straightConnector1">
+            <a:avLst/>
+          </a:prstGeom>
+          <a:ln w="28575">
+            <a:tailEnd type="triangle"/>
+          </a:ln>
+        </p:spPr>
+        <p:style>
+          <a:lnRef idx="1">
+            <a:schemeClr val="accent1"/>
+          </a:lnRef>
+          <a:fillRef idx="0">
+            <a:schemeClr val="accent1"/>
+          </a:fillRef>
+          <a:effectRef idx="0">
+            <a:schemeClr val="accent1"/>
+          </a:effectRef>
+          <a:fontRef idx="minor">
+            <a:schemeClr val="tx1"/>
+          </a:fontRef>
+        </p:style>
+      </p:cxnSp>
+      <p:sp>
+        <p:nvSpPr>
+          <p:cNvPr id="14" name="TextBox 13">
+            <a:extLst>
+              <a:ext uri="{FF2B5EF4-FFF2-40B4-BE49-F238E27FC236}">
+                <a16:creationId xmlns:a16="http://schemas.microsoft.com/office/drawing/2014/main" id="{4BCA225A-5D3E-EEB9-AE73-49C7CF74CC62}"/>
+              </a:ext>
+            </a:extLst>
+          </p:cNvPr>
+          <p:cNvSpPr txBox="1"/>
+          <p:nvPr/>
+        </p:nvSpPr>
+        <p:spPr>
+          <a:xfrm>
+            <a:off x="4231149" y="2313785"/>
+            <a:ext cx="4331970" cy="846386"/>
+          </a:xfrm>
+          <a:prstGeom prst="rect">
+            <a:avLst/>
+          </a:prstGeom>
+          <a:noFill/>
+        </p:spPr>
+        <p:txBody>
+          <a:bodyPr wrap="square" rtlCol="0">
+            <a:spAutoFit/>
+          </a:bodyPr>
+          <a:lstStyle/>
+          <a:p>
+            <a:r>
+              <a:rPr lang="en-US" sz="1500" dirty="0" err="1">
+                <a:solidFill>
+                  <a:schemeClr val="bg1"/>
+                </a:solidFill>
+                <a:highlight>
+                  <a:srgbClr val="000000"/>
+                </a:highlight>
+              </a:rPr>
+              <a:t>get_migration_paths_by_destination</a:t>
+            </a:r>
+            <a:endParaRPr lang="en-US" sz="1500" dirty="0">
+              <a:solidFill>
+                <a:schemeClr val="bg1"/>
+              </a:solidFill>
+              <a:highlight>
+                <a:srgbClr val="000000"/>
+              </a:highlight>
+            </a:endParaRPr>
+          </a:p>
+          <a:p>
+            <a:endParaRPr lang="en-US" sz="200" dirty="0">
+              <a:solidFill>
+                <a:schemeClr val="bg1"/>
+              </a:solidFill>
+              <a:highlight>
+                <a:srgbClr val="000000"/>
+              </a:highlight>
+            </a:endParaRPr>
+          </a:p>
+          <a:p>
+            <a:r>
+              <a:rPr lang="en-US" sz="1500" dirty="0" err="1">
+                <a:solidFill>
+                  <a:schemeClr val="bg1"/>
+                </a:solidFill>
+                <a:highlight>
+                  <a:srgbClr val="000000"/>
+                </a:highlight>
+              </a:rPr>
+              <a:t>get_migration_paths_by_start_location</a:t>
+            </a:r>
+            <a:endParaRPr lang="en-US" sz="200" dirty="0">
+              <a:solidFill>
+                <a:schemeClr val="bg1"/>
+              </a:solidFill>
+              <a:highlight>
+                <a:srgbClr val="000000"/>
+              </a:highlight>
+            </a:endParaRPr>
+          </a:p>
+          <a:p>
+            <a:endParaRPr lang="en-US" sz="200" dirty="0">
+              <a:solidFill>
+                <a:schemeClr val="bg1"/>
+              </a:solidFill>
+              <a:highlight>
+                <a:srgbClr val="000000"/>
+              </a:highlight>
+            </a:endParaRPr>
+          </a:p>
+          <a:p>
+            <a:r>
+              <a:rPr lang="en-US" sz="1500" dirty="0" err="1">
+                <a:solidFill>
+                  <a:schemeClr val="bg1"/>
+                </a:solidFill>
+                <a:highlight>
+                  <a:srgbClr val="000000"/>
+                </a:highlight>
+              </a:rPr>
+              <a:t>create_migration_path</a:t>
+            </a:r>
+            <a:endParaRPr lang="en-US" sz="200" dirty="0">
+              <a:solidFill>
+                <a:schemeClr val="bg1"/>
+              </a:solidFill>
+              <a:highlight>
+                <a:srgbClr val="000000"/>
+              </a:highlight>
+            </a:endParaRPr>
+          </a:p>
+        </p:txBody>
+      </p:sp>
+    </p:spTree>
+    <p:extLst>
+      <p:ext uri="{BB962C8B-B14F-4D97-AF65-F5344CB8AC3E}">
+        <p14:creationId xmlns:p14="http://schemas.microsoft.com/office/powerpoint/2010/main" val="3561017856"/>
+      </p:ext>
+    </p:extLst>
+  </p:cSld>
+  <p:clrMapOvr>
+    <a:masterClrMapping/>
+  </p:clrMapOvr>
+</p:sld>
+</file>
+
 <file path=ppt/theme/theme1.xml><?xml version="1.0" encoding="utf-8"?>
 <a:theme xmlns:a="http://schemas.openxmlformats.org/drawingml/2006/main" name="Office Theme">
   <a:themeElements>
